--- a/Dokumente/HTW-Quiz (Zwischenpräsentation 1).pptx
+++ b/Dokumente/HTW-Quiz (Zwischenpräsentation 1).pptx
@@ -5,10 +5,10 @@
     <p:sldMasterId id="2147483701" r:id="rId1"/>
   </p:sldMasterIdLst>
   <p:notesMasterIdLst>
-    <p:notesMasterId r:id="rId14"/>
+    <p:notesMasterId r:id="rId15"/>
   </p:notesMasterIdLst>
   <p:handoutMasterIdLst>
-    <p:handoutMasterId r:id="rId15"/>
+    <p:handoutMasterId r:id="rId16"/>
   </p:handoutMasterIdLst>
   <p:sldIdLst>
     <p:sldId id="256" r:id="rId2"/>
@@ -22,7 +22,8 @@
     <p:sldId id="315" r:id="rId10"/>
     <p:sldId id="318" r:id="rId11"/>
     <p:sldId id="319" r:id="rId12"/>
-    <p:sldId id="297" r:id="rId13"/>
+    <p:sldId id="321" r:id="rId13"/>
+    <p:sldId id="297" r:id="rId14"/>
   </p:sldIdLst>
   <p:sldSz cx="9144000" cy="6858000" type="screen4x3"/>
   <p:notesSz cx="6797675" cy="9856788"/>
@@ -190,10 +191,6 @@
 </p:presentation>
 </file>
 
-<file path=ppt/revisionInfo.xml><?xml version="1.0" encoding="utf-8"?>
-<p1510:revInfo xmlns:a="http://schemas.openxmlformats.org/drawingml/2006/main" xmlns:r="http://schemas.openxmlformats.org/officeDocument/2006/relationships" xmlns:p1510="http://schemas.microsoft.com/office/powerpoint/2015/10/main"/>
-</file>
-
 <file path=ppt/handoutMasters/handoutMaster1.xml><?xml version="1.0" encoding="utf-8"?>
 <p:handoutMaster xmlns:a="http://schemas.openxmlformats.org/drawingml/2006/main" xmlns:r="http://schemas.openxmlformats.org/officeDocument/2006/relationships" xmlns:p="http://schemas.openxmlformats.org/presentationml/2006/main">
   <p:cSld>
@@ -276,7 +273,7 @@
           <a:p>
             <a:fld id="{EC1BB0AA-FFD6-8349-BA5F-8D8AC7EFA371}" type="datetimeFigureOut">
               <a:rPr lang="de-DE" smtClean="0"/>
-              <a:t>23.04.18</a:t>
+              <a:t>26.04.2018</a:t>
             </a:fld>
             <a:endParaRPr lang="de-DE"/>
           </a:p>
@@ -442,7 +439,7 @@
             <a:fld id="{7BF062F9-8B9D-488C-A30E-01E8F5B28DD8}" type="datetimeFigureOut">
               <a:rPr lang="de-DE" smtClean="0"/>
               <a:pPr/>
-              <a:t>23.04.18</a:t>
+              <a:t>26.04.2018</a:t>
             </a:fld>
             <a:endParaRPr lang="de-DE"/>
           </a:p>
@@ -934,7 +931,7 @@
               <a:buChar char="•"/>
             </a:pPr>
             <a:r>
-              <a:rPr lang="de-DE" sz="1200" dirty="0" smtClean="0">
+              <a:rPr lang="de-DE" sz="1200" dirty="0">
                 <a:ea typeface="Courier" charset="0"/>
                 <a:cs typeface="Courier" charset="0"/>
               </a:rPr>
@@ -950,14 +947,14 @@
               <a:buChar char="•"/>
             </a:pPr>
             <a:r>
-              <a:rPr lang="de-DE" sz="1200" dirty="0" smtClean="0">
+              <a:rPr lang="de-DE" sz="1200" dirty="0">
                 <a:ea typeface="Courier" charset="0"/>
                 <a:cs typeface="Courier" charset="0"/>
               </a:rPr>
               <a:t>Quiz für Studenten</a:t>
             </a:r>
             <a:r>
-              <a:rPr lang="de-DE" sz="1200" baseline="0" dirty="0" smtClean="0">
+              <a:rPr lang="de-DE" sz="1200" baseline="0" dirty="0">
                 <a:ea typeface="Courier" charset="0"/>
                 <a:cs typeface="Courier" charset="0"/>
               </a:rPr>
@@ -973,7 +970,7 @@
               <a:buChar char="•"/>
             </a:pPr>
             <a:r>
-              <a:rPr lang="de-DE" sz="1200" baseline="0" dirty="0" smtClean="0">
+              <a:rPr lang="de-DE" sz="1200" baseline="0" dirty="0">
                 <a:ea typeface="Courier" charset="0"/>
                 <a:cs typeface="Courier" charset="0"/>
               </a:rPr>
@@ -989,7 +986,7 @@
               <a:buChar char="•"/>
             </a:pPr>
             <a:r>
-              <a:rPr lang="de-DE" sz="1200" baseline="0" dirty="0" smtClean="0">
+              <a:rPr lang="de-DE" sz="1200" baseline="0" dirty="0">
                 <a:ea typeface="Courier" charset="0"/>
                 <a:cs typeface="Courier" charset="0"/>
               </a:rPr>
@@ -1005,7 +1002,7 @@
               <a:buChar char="•"/>
             </a:pPr>
             <a:r>
-              <a:rPr lang="de-DE" sz="1200" baseline="0" dirty="0" smtClean="0">
+              <a:rPr lang="de-DE" sz="1200" baseline="0" dirty="0">
                 <a:ea typeface="Courier" charset="0"/>
                 <a:cs typeface="Courier" charset="0"/>
               </a:rPr>
@@ -1021,13 +1018,13 @@
               <a:buChar char="•"/>
             </a:pPr>
             <a:r>
-              <a:rPr lang="de-DE" sz="1200" baseline="0" dirty="0" err="1" smtClean="0">
+              <a:rPr lang="de-DE" sz="1200" baseline="0" dirty="0" err="1">
                 <a:ea typeface="Courier" charset="0"/>
                 <a:cs typeface="Courier" charset="0"/>
               </a:rPr>
               <a:t>Responsive</a:t>
             </a:r>
-            <a:endParaRPr lang="de-DE" sz="1200" baseline="0" dirty="0" smtClean="0">
+            <a:endParaRPr lang="de-DE" sz="1200" baseline="0" dirty="0">
               <a:ea typeface="Courier" charset="0"/>
               <a:cs typeface="Courier" charset="0"/>
             </a:endParaRPr>
@@ -1041,7 +1038,7 @@
               <a:buChar char="•"/>
             </a:pPr>
             <a:r>
-              <a:rPr lang="de-DE" sz="1200" baseline="0" dirty="0" smtClean="0">
+              <a:rPr lang="de-DE" sz="1200" baseline="0" dirty="0">
                 <a:ea typeface="Courier" charset="0"/>
                 <a:cs typeface="Courier" charset="0"/>
               </a:rPr>
@@ -1057,13 +1054,13 @@
               <a:buChar char="•"/>
             </a:pPr>
             <a:r>
-              <a:rPr lang="de-DE" sz="1200" baseline="0" dirty="0" err="1" smtClean="0">
+              <a:rPr lang="de-DE" sz="1200" baseline="0" dirty="0" err="1">
                 <a:ea typeface="Courier" charset="0"/>
                 <a:cs typeface="Courier" charset="0"/>
               </a:rPr>
               <a:t>Kahoot</a:t>
             </a:r>
-            <a:endParaRPr lang="de-DE" sz="1200" baseline="0" dirty="0" smtClean="0">
+            <a:endParaRPr lang="de-DE" sz="1200" baseline="0" dirty="0">
               <a:ea typeface="Courier" charset="0"/>
               <a:cs typeface="Courier" charset="0"/>
             </a:endParaRPr>
@@ -1077,13 +1074,13 @@
               <a:buChar char="•"/>
             </a:pPr>
             <a:r>
-              <a:rPr lang="de-DE" sz="1200" baseline="0" dirty="0" smtClean="0">
+              <a:rPr lang="de-DE" sz="1200" baseline="0" dirty="0">
                 <a:ea typeface="Courier" charset="0"/>
                 <a:cs typeface="Courier" charset="0"/>
               </a:rPr>
               <a:t>Unterschied: Keine Schätzfragen und keine Mehrfachauswahl</a:t>
             </a:r>
-            <a:endParaRPr lang="de-DE" sz="1200" dirty="0" smtClean="0">
+            <a:endParaRPr lang="de-DE" sz="1200" dirty="0">
               <a:ea typeface="Courier" charset="0"/>
               <a:cs typeface="Courier" charset="0"/>
             </a:endParaRPr>
@@ -1543,6 +1540,91 @@
     <p:extLst>
       <p:ext uri="{BB962C8B-B14F-4D97-AF65-F5344CB8AC3E}">
         <p14:creationId xmlns:p14="http://schemas.microsoft.com/office/powerpoint/2010/main" val="2086886361"/>
+      </p:ext>
+    </p:extLst>
+  </p:cSld>
+  <p:clrMapOvr>
+    <a:masterClrMapping/>
+  </p:clrMapOvr>
+</p:notes>
+</file>
+
+<file path=ppt/notesSlides/notesSlide9.xml><?xml version="1.0" encoding="utf-8"?>
+<p:notes xmlns:a="http://schemas.openxmlformats.org/drawingml/2006/main" xmlns:r="http://schemas.openxmlformats.org/officeDocument/2006/relationships" xmlns:p="http://schemas.openxmlformats.org/presentationml/2006/main">
+  <p:cSld>
+    <p:spTree>
+      <p:nvGrpSpPr>
+        <p:cNvPr id="1" name=""/>
+        <p:cNvGrpSpPr/>
+        <p:nvPr/>
+      </p:nvGrpSpPr>
+      <p:grpSpPr>
+        <a:xfrm>
+          <a:off x="0" y="0"/>
+          <a:ext cx="0" cy="0"/>
+          <a:chOff x="0" y="0"/>
+          <a:chExt cx="0" cy="0"/>
+        </a:xfrm>
+      </p:grpSpPr>
+      <p:sp>
+        <p:nvSpPr>
+          <p:cNvPr id="2" name="Folienbildplatzhalter 1"/>
+          <p:cNvSpPr>
+            <a:spLocks noGrp="1" noRot="1" noChangeAspect="1"/>
+          </p:cNvSpPr>
+          <p:nvPr>
+            <p:ph type="sldImg"/>
+          </p:nvPr>
+        </p:nvSpPr>
+        <p:spPr/>
+      </p:sp>
+      <p:sp>
+        <p:nvSpPr>
+          <p:cNvPr id="3" name="Notizenplatzhalter 2"/>
+          <p:cNvSpPr>
+            <a:spLocks noGrp="1"/>
+          </p:cNvSpPr>
+          <p:nvPr>
+            <p:ph type="body" idx="1"/>
+          </p:nvPr>
+        </p:nvSpPr>
+        <p:spPr/>
+        <p:txBody>
+          <a:bodyPr/>
+          <a:lstStyle/>
+          <a:p>
+            <a:endParaRPr lang="de-DE" dirty="0"/>
+          </a:p>
+        </p:txBody>
+      </p:sp>
+      <p:sp>
+        <p:nvSpPr>
+          <p:cNvPr id="4" name="Foliennummernplatzhalter 3"/>
+          <p:cNvSpPr>
+            <a:spLocks noGrp="1"/>
+          </p:cNvSpPr>
+          <p:nvPr>
+            <p:ph type="sldNum" sz="quarter" idx="10"/>
+          </p:nvPr>
+        </p:nvSpPr>
+        <p:spPr/>
+        <p:txBody>
+          <a:bodyPr/>
+          <a:lstStyle/>
+          <a:p>
+            <a:fld id="{0A0FAAF0-124C-40D1-B243-8ECB6460FBB4}" type="slidenum">
+              <a:rPr lang="de-DE" smtClean="0"/>
+              <a:pPr/>
+              <a:t>12</a:t>
+            </a:fld>
+            <a:endParaRPr lang="de-DE"/>
+          </a:p>
+        </p:txBody>
+      </p:sp>
+    </p:spTree>
+    <p:extLst>
+      <p:ext uri="{BB962C8B-B14F-4D97-AF65-F5344CB8AC3E}">
+        <p14:creationId xmlns:p14="http://schemas.microsoft.com/office/powerpoint/2010/main" val="820229937"/>
       </p:ext>
     </p:extLst>
   </p:cSld>
@@ -6845,7 +6927,7 @@
           <a:p>
             <a:pPr algn="ctr"/>
             <a:r>
-              <a:rPr lang="de-DE" sz="6000" b="1" i="1" spc="-1" dirty="0" smtClean="0">
+              <a:rPr lang="de-DE" sz="6000" b="1" i="1" spc="-1" dirty="0">
                 <a:uFill>
                   <a:solidFill>
                     <a:srgbClr val="FFFFFF"/>
@@ -6917,15 +6999,7 @@
           <a:p>
             <a:r>
               <a:rPr lang="de-DE" sz="1400" dirty="0"/>
-              <a:t>➔ </a:t>
-            </a:r>
-            <a:r>
-              <a:rPr lang="de-DE" sz="1400" dirty="0" smtClean="0"/>
-              <a:t>Webanwendungen</a:t>
-            </a:r>
-            <a:r>
-              <a:rPr lang="de-DE" dirty="0"/>
-              <a:t/>
+              <a:t>➔ Webanwendungen</a:t>
             </a:r>
             <a:br>
               <a:rPr lang="de-DE" dirty="0"/>
@@ -7037,10 +7111,9 @@
           <a:lstStyle/>
           <a:p>
             <a:r>
-              <a:rPr lang="de-DE" sz="3600" dirty="0" smtClean="0"/>
+              <a:rPr lang="de-DE" sz="3600" dirty="0"/>
               <a:t>Funktionale Anforderungen</a:t>
             </a:r>
-            <a:endParaRPr lang="de-DE" sz="3600" dirty="0"/>
           </a:p>
         </p:txBody>
       </p:sp>
@@ -7098,7 +7171,7 @@
               <a:buChar char="•"/>
             </a:pPr>
             <a:r>
-              <a:rPr lang="de-DE" sz="2400" dirty="0" smtClean="0">
+              <a:rPr lang="de-DE" sz="2400" dirty="0">
                 <a:ea typeface="Courier" charset="0"/>
                 <a:cs typeface="Courier" charset="0"/>
               </a:rPr>
@@ -7114,7 +7187,7 @@
               <a:buChar char="•"/>
             </a:pPr>
             <a:r>
-              <a:rPr lang="de-DE" sz="2400" dirty="0" smtClean="0">
+              <a:rPr lang="de-DE" sz="2400" dirty="0">
                 <a:ea typeface="Courier" charset="0"/>
                 <a:cs typeface="Courier" charset="0"/>
               </a:rPr>
@@ -7130,25 +7203,11 @@
               <a:buChar char="•"/>
             </a:pPr>
             <a:r>
-              <a:rPr lang="de-DE" sz="2400" dirty="0" smtClean="0">
+              <a:rPr lang="de-DE" sz="2400" dirty="0">
                 <a:ea typeface="Courier" charset="0"/>
                 <a:cs typeface="Courier" charset="0"/>
               </a:rPr>
-              <a:t>3 Fragekategorien (Schätzfragen, Multipl</a:t>
-            </a:r>
-            <a:r>
-              <a:rPr lang="de-DE" sz="2400" dirty="0" smtClean="0">
-                <a:ea typeface="Courier" charset="0"/>
-                <a:cs typeface="Courier" charset="0"/>
-              </a:rPr>
-              <a:t>e-Choice-Fragen, Eingabe der Antwort</a:t>
-            </a:r>
-            <a:r>
-              <a:rPr lang="de-DE" sz="2400" dirty="0" smtClean="0">
-                <a:ea typeface="Courier" charset="0"/>
-                <a:cs typeface="Courier" charset="0"/>
-              </a:rPr>
-              <a:t>)</a:t>
+              <a:t>3 Fragekategorien (Schätzfragen, Multiple-Choice-Fragen, Eingabe der Antwort)</a:t>
             </a:r>
           </a:p>
           <a:p>
@@ -7160,7 +7219,7 @@
               <a:buChar char="•"/>
             </a:pPr>
             <a:r>
-              <a:rPr lang="de-DE" sz="2400" dirty="0" smtClean="0">
+              <a:rPr lang="de-DE" sz="2400" dirty="0">
                 <a:ea typeface="Courier" charset="0"/>
                 <a:cs typeface="Courier" charset="0"/>
               </a:rPr>
@@ -7176,7 +7235,7 @@
               <a:buChar char="•"/>
             </a:pPr>
             <a:r>
-              <a:rPr lang="de-DE" sz="2400" dirty="0" smtClean="0">
+              <a:rPr lang="de-DE" sz="2400" dirty="0">
                 <a:ea typeface="Courier" charset="0"/>
                 <a:cs typeface="Courier" charset="0"/>
               </a:rPr>
@@ -7192,14 +7251,14 @@
               <a:buChar char="•"/>
             </a:pPr>
             <a:r>
-              <a:rPr lang="de-DE" sz="2400" dirty="0" err="1" smtClean="0">
+              <a:rPr lang="de-DE" sz="2400" dirty="0" err="1">
                 <a:ea typeface="Courier" charset="0"/>
                 <a:cs typeface="Courier" charset="0"/>
               </a:rPr>
               <a:t>Highscore</a:t>
             </a:r>
             <a:r>
-              <a:rPr lang="de-DE" sz="2400" dirty="0" smtClean="0">
+              <a:rPr lang="de-DE" sz="2400" dirty="0">
                 <a:ea typeface="Courier" charset="0"/>
                 <a:cs typeface="Courier" charset="0"/>
               </a:rPr>
@@ -7215,7 +7274,7 @@
               <a:buChar char="•"/>
             </a:pPr>
             <a:r>
-              <a:rPr lang="de-DE" sz="2400" dirty="0" smtClean="0">
+              <a:rPr lang="de-DE" sz="2400" dirty="0">
                 <a:ea typeface="Courier" charset="0"/>
                 <a:cs typeface="Courier" charset="0"/>
               </a:rPr>
@@ -7324,10 +7383,9 @@
           <a:lstStyle/>
           <a:p>
             <a:r>
-              <a:rPr lang="de-DE" sz="3600" dirty="0" smtClean="0"/>
+              <a:rPr lang="de-DE" sz="3600" dirty="0"/>
               <a:t>Nicht-funktionale Anforderungen</a:t>
             </a:r>
-            <a:endParaRPr lang="de-DE" sz="3600" dirty="0"/>
           </a:p>
         </p:txBody>
       </p:sp>
@@ -7364,7 +7422,7 @@
         <p:spPr>
           <a:xfrm>
             <a:off x="599889" y="1800880"/>
-            <a:ext cx="7469580" cy="1754326"/>
+            <a:ext cx="7469580" cy="2239844"/>
           </a:xfrm>
           <a:prstGeom prst="rect">
             <a:avLst/>
@@ -7385,21 +7443,21 @@
               <a:buChar char="•"/>
             </a:pPr>
             <a:r>
-              <a:rPr lang="de-DE" sz="2400" dirty="0" smtClean="0">
+              <a:rPr lang="de-DE" sz="2400" dirty="0">
                 <a:ea typeface="Courier" charset="0"/>
                 <a:cs typeface="Courier" charset="0"/>
               </a:rPr>
               <a:t>Frontend wird mit </a:t>
             </a:r>
             <a:r>
-              <a:rPr lang="de-DE" sz="2400" dirty="0" err="1" smtClean="0">
+              <a:rPr lang="de-DE" sz="2400" dirty="0" err="1">
                 <a:ea typeface="Courier" charset="0"/>
                 <a:cs typeface="Courier" charset="0"/>
               </a:rPr>
               <a:t>vue.js</a:t>
             </a:r>
             <a:r>
-              <a:rPr lang="de-DE" sz="2400" dirty="0" smtClean="0">
+              <a:rPr lang="de-DE" sz="2400" dirty="0">
                 <a:ea typeface="Courier" charset="0"/>
                 <a:cs typeface="Courier" charset="0"/>
               </a:rPr>
@@ -7415,30 +7473,12 @@
               <a:buChar char="•"/>
             </a:pPr>
             <a:r>
-              <a:rPr lang="de-DE" sz="2400" dirty="0" smtClean="0">
+              <a:rPr lang="de-DE" sz="2400" dirty="0">
                 <a:ea typeface="Courier" charset="0"/>
                 <a:cs typeface="Courier" charset="0"/>
               </a:rPr>
-              <a:t>Backend wird mit </a:t>
-            </a:r>
-            <a:r>
-              <a:rPr lang="de-DE" sz="2400" err="1" smtClean="0">
-                <a:ea typeface="Courier" charset="0"/>
-                <a:cs typeface="Courier" charset="0"/>
-              </a:rPr>
-              <a:t>node.js</a:t>
-            </a:r>
-            <a:r>
-              <a:rPr lang="de-DE" sz="2400" smtClean="0">
-                <a:ea typeface="Courier" charset="0"/>
-                <a:cs typeface="Courier" charset="0"/>
-              </a:rPr>
-              <a:t> realisiert</a:t>
-            </a:r>
-            <a:endParaRPr lang="de-DE" sz="2400" dirty="0" smtClean="0">
-              <a:ea typeface="Courier" charset="0"/>
-              <a:cs typeface="Courier" charset="0"/>
-            </a:endParaRPr>
+              <a:t>Backend wird mit node.js realisiert</a:t>
+            </a:r>
           </a:p>
           <a:p>
             <a:pPr marL="342900" indent="-342900">
@@ -7448,7 +7488,23 @@
               <a:buFont typeface="Arial" charset="0"/>
               <a:buChar char="•"/>
             </a:pPr>
-            <a:endParaRPr lang="de-DE" sz="2400" dirty="0" smtClean="0">
+            <a:r>
+              <a:rPr lang="de-DE" sz="2400" dirty="0">
+                <a:ea typeface="Courier" charset="0"/>
+                <a:cs typeface="Courier" charset="0"/>
+              </a:rPr>
+              <a:t>Responsive Design</a:t>
+            </a:r>
+          </a:p>
+          <a:p>
+            <a:pPr marL="342900" indent="-342900">
+              <a:lnSpc>
+                <a:spcPct val="150000"/>
+              </a:lnSpc>
+              <a:buFont typeface="Arial" charset="0"/>
+              <a:buChar char="•"/>
+            </a:pPr>
+            <a:endParaRPr lang="de-DE" sz="2400" dirty="0">
               <a:ea typeface="Courier" charset="0"/>
               <a:cs typeface="Courier" charset="0"/>
             </a:endParaRPr>
@@ -7487,6 +7543,213 @@
       </p:grpSpPr>
       <p:sp>
         <p:nvSpPr>
+          <p:cNvPr id="8" name="Rechteck 7"/>
+          <p:cNvSpPr/>
+          <p:nvPr/>
+        </p:nvSpPr>
+        <p:spPr>
+          <a:xfrm>
+            <a:off x="4536374" y="261257"/>
+            <a:ext cx="178130" cy="225631"/>
+          </a:xfrm>
+          <a:prstGeom prst="rect">
+            <a:avLst/>
+          </a:prstGeom>
+          <a:solidFill>
+            <a:schemeClr val="bg1"/>
+          </a:solidFill>
+          <a:ln>
+            <a:solidFill>
+              <a:schemeClr val="bg1"/>
+            </a:solidFill>
+          </a:ln>
+        </p:spPr>
+        <p:style>
+          <a:lnRef idx="2">
+            <a:schemeClr val="accent1">
+              <a:shade val="50000"/>
+            </a:schemeClr>
+          </a:lnRef>
+          <a:fillRef idx="1">
+            <a:schemeClr val="accent1"/>
+          </a:fillRef>
+          <a:effectRef idx="0">
+            <a:schemeClr val="accent1"/>
+          </a:effectRef>
+          <a:fontRef idx="minor">
+            <a:schemeClr val="lt1"/>
+          </a:fontRef>
+        </p:style>
+        <p:txBody>
+          <a:bodyPr rtlCol="0" anchor="ctr"/>
+          <a:lstStyle/>
+          <a:p>
+            <a:pPr algn="ctr"/>
+            <a:endParaRPr lang="de-DE"/>
+          </a:p>
+        </p:txBody>
+      </p:sp>
+      <p:sp>
+        <p:nvSpPr>
+          <p:cNvPr id="37" name="Rechteck 36"/>
+          <p:cNvSpPr/>
+          <p:nvPr/>
+        </p:nvSpPr>
+        <p:spPr>
+          <a:xfrm>
+            <a:off x="599889" y="1215727"/>
+            <a:ext cx="5596404" cy="646331"/>
+          </a:xfrm>
+          <a:prstGeom prst="rect">
+            <a:avLst/>
+          </a:prstGeom>
+        </p:spPr>
+        <p:txBody>
+          <a:bodyPr wrap="none">
+            <a:spAutoFit/>
+          </a:bodyPr>
+          <a:lstStyle/>
+          <a:p>
+            <a:r>
+              <a:rPr lang="de-DE" sz="3600" dirty="0"/>
+              <a:t>Anmerkungen von Gruppe</a:t>
+            </a:r>
+          </a:p>
+        </p:txBody>
+      </p:sp>
+      <p:sp>
+        <p:nvSpPr>
+          <p:cNvPr id="11" name="Foliennummernplatzhalter 10"/>
+          <p:cNvSpPr>
+            <a:spLocks noGrp="1"/>
+          </p:cNvSpPr>
+          <p:nvPr>
+            <p:ph type="sldNum" sz="quarter" idx="12"/>
+          </p:nvPr>
+        </p:nvSpPr>
+        <p:spPr/>
+        <p:txBody>
+          <a:bodyPr/>
+          <a:lstStyle/>
+          <a:p>
+            <a:fld id="{43C84F4B-5F30-4847-9887-7CDDC1C460F0}" type="slidenum">
+              <a:rPr lang="de-DE" smtClean="0"/>
+              <a:pPr/>
+              <a:t>12</a:t>
+            </a:fld>
+            <a:endParaRPr lang="de-DE"/>
+          </a:p>
+        </p:txBody>
+      </p:sp>
+      <p:sp>
+        <p:nvSpPr>
+          <p:cNvPr id="9" name="Textfeld 8"/>
+          <p:cNvSpPr txBox="1"/>
+          <p:nvPr/>
+        </p:nvSpPr>
+        <p:spPr>
+          <a:xfrm>
+            <a:off x="599889" y="1800880"/>
+            <a:ext cx="7469580" cy="2239844"/>
+          </a:xfrm>
+          <a:prstGeom prst="rect">
+            <a:avLst/>
+          </a:prstGeom>
+          <a:noFill/>
+        </p:spPr>
+        <p:txBody>
+          <a:bodyPr wrap="square" rtlCol="0">
+            <a:spAutoFit/>
+          </a:bodyPr>
+          <a:lstStyle/>
+          <a:p>
+            <a:pPr marL="342900" indent="-342900">
+              <a:lnSpc>
+                <a:spcPct val="150000"/>
+              </a:lnSpc>
+              <a:buFont typeface="Arial" charset="0"/>
+              <a:buChar char="•"/>
+            </a:pPr>
+            <a:r>
+              <a:rPr lang="de-DE" sz="2400" dirty="0"/>
+              <a:t>Summe von </a:t>
+            </a:r>
+            <a:r>
+              <a:rPr lang="de-DE" sz="2400" dirty="0" err="1"/>
+              <a:t>Chalenges</a:t>
+            </a:r>
+            <a:endParaRPr lang="de-DE" sz="2400" dirty="0"/>
+          </a:p>
+          <a:p>
+            <a:pPr marL="342900" indent="-342900">
+              <a:lnSpc>
+                <a:spcPct val="150000"/>
+              </a:lnSpc>
+              <a:buFont typeface="Arial" charset="0"/>
+              <a:buChar char="•"/>
+            </a:pPr>
+            <a:r>
+              <a:rPr lang="de-DE" sz="2400" dirty="0"/>
+              <a:t>Freie Antworten: Ein Wort!</a:t>
+            </a:r>
+          </a:p>
+          <a:p>
+            <a:pPr marL="342900" indent="-342900">
+              <a:lnSpc>
+                <a:spcPct val="150000"/>
+              </a:lnSpc>
+              <a:buFont typeface="Arial" charset="0"/>
+              <a:buChar char="•"/>
+            </a:pPr>
+            <a:endParaRPr lang="de-DE" sz="2400" dirty="0"/>
+          </a:p>
+          <a:p>
+            <a:pPr marL="342900" indent="-342900">
+              <a:lnSpc>
+                <a:spcPct val="150000"/>
+              </a:lnSpc>
+              <a:buFont typeface="Arial" charset="0"/>
+              <a:buChar char="•"/>
+            </a:pPr>
+            <a:endParaRPr lang="de-DE" sz="2400" dirty="0">
+              <a:ea typeface="Courier" charset="0"/>
+              <a:cs typeface="Courier" charset="0"/>
+            </a:endParaRPr>
+          </a:p>
+        </p:txBody>
+      </p:sp>
+    </p:spTree>
+    <p:extLst>
+      <p:ext uri="{BB962C8B-B14F-4D97-AF65-F5344CB8AC3E}">
+        <p14:creationId xmlns:p14="http://schemas.microsoft.com/office/powerpoint/2010/main" val="412408664"/>
+      </p:ext>
+    </p:extLst>
+  </p:cSld>
+  <p:clrMapOvr>
+    <a:masterClrMapping/>
+  </p:clrMapOvr>
+</p:sld>
+</file>
+
+<file path=ppt/slides/slide13.xml><?xml version="1.0" encoding="utf-8"?>
+<p:sld xmlns:a="http://schemas.openxmlformats.org/drawingml/2006/main" xmlns:r="http://schemas.openxmlformats.org/officeDocument/2006/relationships" xmlns:p="http://schemas.openxmlformats.org/presentationml/2006/main">
+  <p:cSld>
+    <p:spTree>
+      <p:nvGrpSpPr>
+        <p:cNvPr id="1" name=""/>
+        <p:cNvGrpSpPr/>
+        <p:nvPr/>
+      </p:nvGrpSpPr>
+      <p:grpSpPr>
+        <a:xfrm>
+          <a:off x="0" y="0"/>
+          <a:ext cx="0" cy="0"/>
+          <a:chOff x="0" y="0"/>
+          <a:chExt cx="0" cy="0"/>
+        </a:xfrm>
+      </p:grpSpPr>
+      <p:sp>
+        <p:nvSpPr>
           <p:cNvPr id="658" name="TextShape 1"/>
           <p:cNvSpPr txBox="1"/>
           <p:nvPr/>
@@ -7707,16 +7970,12 @@
               <a:buChar char="•"/>
             </a:pPr>
             <a:r>
-              <a:rPr lang="de-DE" sz="2400" dirty="0" smtClean="0">
+              <a:rPr lang="de-DE" sz="2400" dirty="0">
                 <a:ea typeface="Courier" charset="0"/>
                 <a:cs typeface="Courier" charset="0"/>
               </a:rPr>
               <a:t>Einleitung</a:t>
             </a:r>
-            <a:endParaRPr lang="de-DE" sz="2400" dirty="0">
-              <a:ea typeface="Courier" charset="0"/>
-              <a:cs typeface="Courier" charset="0"/>
-            </a:endParaRPr>
           </a:p>
           <a:p>
             <a:pPr marL="342900" indent="-342900">
@@ -7727,16 +7986,12 @@
               <a:buChar char="•"/>
             </a:pPr>
             <a:r>
-              <a:rPr lang="de-DE" sz="2400" dirty="0" smtClean="0">
+              <a:rPr lang="de-DE" sz="2400" dirty="0">
                 <a:ea typeface="Courier" charset="0"/>
                 <a:cs typeface="Courier" charset="0"/>
               </a:rPr>
               <a:t>Ist-Zustand</a:t>
             </a:r>
-            <a:endParaRPr lang="de-DE" sz="2400" dirty="0">
-              <a:ea typeface="Courier" charset="0"/>
-              <a:cs typeface="Courier" charset="0"/>
-            </a:endParaRPr>
           </a:p>
           <a:p>
             <a:pPr marL="342900" indent="-342900">
@@ -7747,16 +8002,12 @@
               <a:buChar char="•"/>
             </a:pPr>
             <a:r>
-              <a:rPr lang="de-DE" sz="2400" dirty="0" smtClean="0">
+              <a:rPr lang="de-DE" sz="2400" dirty="0">
                 <a:ea typeface="Courier" charset="0"/>
                 <a:cs typeface="Courier" charset="0"/>
               </a:rPr>
               <a:t>Soll-Zustand</a:t>
             </a:r>
-            <a:endParaRPr lang="de-DE" sz="2400" dirty="0">
-              <a:ea typeface="Courier" charset="0"/>
-              <a:cs typeface="Courier" charset="0"/>
-            </a:endParaRPr>
           </a:p>
           <a:p>
             <a:pPr marL="342900" indent="-342900">
@@ -7767,16 +8018,12 @@
               <a:buChar char="•"/>
             </a:pPr>
             <a:r>
-              <a:rPr lang="de-DE" sz="2400" dirty="0" smtClean="0">
+              <a:rPr lang="de-DE" sz="2400" dirty="0">
                 <a:ea typeface="Courier" charset="0"/>
                 <a:cs typeface="Courier" charset="0"/>
               </a:rPr>
               <a:t>Anforderungen</a:t>
             </a:r>
-            <a:endParaRPr lang="de-DE" sz="2400" dirty="0">
-              <a:ea typeface="Courier" charset="0"/>
-              <a:cs typeface="Courier" charset="0"/>
-            </a:endParaRPr>
           </a:p>
           <a:p>
             <a:pPr marL="342900" indent="-342900">
@@ -7818,10 +8065,6 @@
             <a:r>
               <a:rPr lang="de-DE" sz="1400" dirty="0"/>
               <a:t>➔ Inhalt</a:t>
-            </a:r>
-            <a:r>
-              <a:rPr lang="de-DE" dirty="0"/>
-              <a:t/>
             </a:r>
             <a:br>
               <a:rPr lang="de-DE" dirty="0"/>
@@ -7905,10 +8148,9 @@
           <a:lstStyle/>
           <a:p>
             <a:r>
-              <a:rPr lang="de-DE" sz="2600" dirty="0" smtClean="0"/>
+              <a:rPr lang="de-DE" sz="2600" dirty="0"/>
               <a:t>Einleitung</a:t>
             </a:r>
-            <a:endParaRPr lang="de-DE" sz="2600" dirty="0"/>
           </a:p>
         </p:txBody>
       </p:sp>
@@ -8012,10 +8254,9 @@
           <a:lstStyle/>
           <a:p>
             <a:r>
-              <a:rPr lang="de-DE" sz="3600" dirty="0" smtClean="0"/>
+              <a:rPr lang="de-DE" sz="3600" dirty="0"/>
               <a:t>Einleitung</a:t>
             </a:r>
-            <a:endParaRPr lang="de-DE" sz="3600" dirty="0"/>
           </a:p>
         </p:txBody>
       </p:sp>
@@ -8073,7 +8314,7 @@
               <a:buChar char="•"/>
             </a:pPr>
             <a:r>
-              <a:rPr lang="de-DE" sz="2400" dirty="0" smtClean="0">
+              <a:rPr lang="de-DE" sz="2400" dirty="0">
                 <a:ea typeface="Courier" charset="0"/>
                 <a:cs typeface="Courier" charset="0"/>
               </a:rPr>
@@ -8089,7 +8330,7 @@
               <a:buChar char="•"/>
             </a:pPr>
             <a:r>
-              <a:rPr lang="de-DE" sz="2400" dirty="0" smtClean="0">
+              <a:rPr lang="de-DE" sz="2400" dirty="0">
                 <a:ea typeface="Courier" charset="0"/>
                 <a:cs typeface="Courier" charset="0"/>
               </a:rPr>
@@ -8105,16 +8346,12 @@
               <a:buChar char="•"/>
             </a:pPr>
             <a:r>
-              <a:rPr lang="de-DE" sz="2400" dirty="0" smtClean="0">
+              <a:rPr lang="de-DE" sz="2400" dirty="0">
                 <a:ea typeface="Courier" charset="0"/>
                 <a:cs typeface="Courier" charset="0"/>
               </a:rPr>
               <a:t>Vergleichbare Anwendungen</a:t>
             </a:r>
-            <a:endParaRPr lang="de-DE" sz="2400" dirty="0">
-              <a:ea typeface="Courier" charset="0"/>
-              <a:cs typeface="Courier" charset="0"/>
-            </a:endParaRPr>
           </a:p>
         </p:txBody>
       </p:sp>
@@ -8166,10 +8403,9 @@
           <a:lstStyle/>
           <a:p>
             <a:r>
-              <a:rPr lang="de-DE" sz="2600" dirty="0" smtClean="0"/>
+              <a:rPr lang="de-DE" sz="2600" dirty="0"/>
               <a:t>Ist-Zustand</a:t>
             </a:r>
-            <a:endParaRPr lang="de-DE" sz="2600" dirty="0"/>
           </a:p>
         </p:txBody>
       </p:sp>
@@ -8273,10 +8509,9 @@
           <a:lstStyle/>
           <a:p>
             <a:r>
-              <a:rPr lang="de-DE" sz="3600" dirty="0" smtClean="0"/>
+              <a:rPr lang="de-DE" sz="3600" dirty="0"/>
               <a:t>Ist Zustand</a:t>
             </a:r>
-            <a:endParaRPr lang="de-DE" sz="3600" dirty="0"/>
           </a:p>
         </p:txBody>
       </p:sp>
@@ -8305,10 +8540,6 @@
             <a:r>
               <a:rPr lang="de-DE" sz="1400" dirty="0"/>
               <a:t>➔ Inhalt</a:t>
-            </a:r>
-            <a:r>
-              <a:rPr lang="de-DE" dirty="0"/>
-              <a:t/>
             </a:r>
             <a:br>
               <a:rPr lang="de-DE" dirty="0"/>
@@ -8374,7 +8605,7 @@
               <a:buChar char="•"/>
             </a:pPr>
             <a:r>
-              <a:rPr lang="de-DE" sz="2400" dirty="0" smtClean="0">
+              <a:rPr lang="de-DE" sz="2400" dirty="0">
                 <a:ea typeface="Courier" charset="0"/>
                 <a:cs typeface="Courier" charset="0"/>
               </a:rPr>
@@ -8390,7 +8621,7 @@
               <a:buChar char="•"/>
             </a:pPr>
             <a:r>
-              <a:rPr lang="de-DE" sz="2400" dirty="0" smtClean="0">
+              <a:rPr lang="de-DE" sz="2400" dirty="0">
                 <a:ea typeface="Courier" charset="0"/>
                 <a:cs typeface="Courier" charset="0"/>
               </a:rPr>
@@ -8406,30 +8637,26 @@
               <a:buChar char="•"/>
             </a:pPr>
             <a:r>
-              <a:rPr lang="de-DE" sz="2400" dirty="0" smtClean="0">
+              <a:rPr lang="de-DE" sz="2400" dirty="0">
                 <a:ea typeface="Courier" charset="0"/>
                 <a:cs typeface="Courier" charset="0"/>
               </a:rPr>
               <a:t>Professoren benutzen </a:t>
             </a:r>
             <a:r>
-              <a:rPr lang="de-DE" sz="2400" dirty="0" err="1" smtClean="0">
+              <a:rPr lang="de-DE" sz="2400" dirty="0" err="1">
                 <a:ea typeface="Courier" charset="0"/>
                 <a:cs typeface="Courier" charset="0"/>
               </a:rPr>
               <a:t>Kahoot</a:t>
             </a:r>
             <a:r>
-              <a:rPr lang="de-DE" sz="2400" dirty="0" smtClean="0">
+              <a:rPr lang="de-DE" sz="2400" dirty="0">
                 <a:ea typeface="Courier" charset="0"/>
                 <a:cs typeface="Courier" charset="0"/>
               </a:rPr>
               <a:t> als Quiz</a:t>
             </a:r>
-            <a:endParaRPr lang="de-DE" sz="2400" dirty="0">
-              <a:ea typeface="Courier" charset="0"/>
-              <a:cs typeface="Courier" charset="0"/>
-            </a:endParaRPr>
           </a:p>
         </p:txBody>
       </p:sp>
@@ -8481,10 +8708,9 @@
           <a:lstStyle/>
           <a:p>
             <a:r>
-              <a:rPr lang="de-DE" sz="2600" dirty="0" smtClean="0"/>
+              <a:rPr lang="de-DE" sz="2600" dirty="0"/>
               <a:t>Soll-Zustand</a:t>
             </a:r>
-            <a:endParaRPr lang="de-DE" sz="2600" dirty="0"/>
           </a:p>
         </p:txBody>
       </p:sp>
@@ -8588,10 +8814,9 @@
           <a:lstStyle/>
           <a:p>
             <a:r>
-              <a:rPr lang="de-DE" sz="3600" dirty="0" smtClean="0"/>
+              <a:rPr lang="de-DE" sz="3600" dirty="0"/>
               <a:t>Soll-Zustand</a:t>
             </a:r>
-            <a:endParaRPr lang="de-DE" sz="3600" dirty="0"/>
           </a:p>
         </p:txBody>
       </p:sp>
@@ -8649,7 +8874,7 @@
               <a:buChar char="•"/>
             </a:pPr>
             <a:r>
-              <a:rPr lang="de-DE" sz="2400" dirty="0" smtClean="0">
+              <a:rPr lang="de-DE" sz="2400" dirty="0">
                 <a:ea typeface="Courier" charset="0"/>
                 <a:cs typeface="Courier" charset="0"/>
               </a:rPr>
@@ -8665,7 +8890,7 @@
               <a:buChar char="•"/>
             </a:pPr>
             <a:r>
-              <a:rPr lang="de-DE" sz="2400" dirty="0" smtClean="0">
+              <a:rPr lang="de-DE" sz="2400" dirty="0">
                 <a:ea typeface="Courier" charset="0"/>
                 <a:cs typeface="Courier" charset="0"/>
               </a:rPr>
@@ -8681,30 +8906,26 @@
               <a:buChar char="•"/>
             </a:pPr>
             <a:r>
-              <a:rPr lang="de-DE" sz="2400" dirty="0" smtClean="0">
+              <a:rPr lang="de-DE" sz="2400" dirty="0">
                 <a:ea typeface="Courier" charset="0"/>
                 <a:cs typeface="Courier" charset="0"/>
               </a:rPr>
               <a:t>Studenten können sich in </a:t>
             </a:r>
             <a:r>
-              <a:rPr lang="de-DE" sz="2400" dirty="0" err="1" smtClean="0">
+              <a:rPr lang="de-DE" sz="2400" dirty="0" err="1">
                 <a:ea typeface="Courier" charset="0"/>
                 <a:cs typeface="Courier" charset="0"/>
               </a:rPr>
               <a:t>Highscore</a:t>
             </a:r>
             <a:r>
-              <a:rPr lang="de-DE" sz="2400" dirty="0" smtClean="0">
+              <a:rPr lang="de-DE" sz="2400" dirty="0">
                 <a:ea typeface="Courier" charset="0"/>
                 <a:cs typeface="Courier" charset="0"/>
               </a:rPr>
               <a:t>-Listen mit anderen vergleichen</a:t>
             </a:r>
-            <a:endParaRPr lang="de-DE" sz="2400" dirty="0" smtClean="0">
-              <a:ea typeface="Courier" charset="0"/>
-              <a:cs typeface="Courier" charset="0"/>
-            </a:endParaRPr>
           </a:p>
           <a:p>
             <a:pPr marL="342900" indent="-342900">
@@ -8769,10 +8990,9 @@
           <a:lstStyle/>
           <a:p>
             <a:r>
-              <a:rPr lang="de-DE" sz="2600" dirty="0" smtClean="0"/>
+              <a:rPr lang="de-DE" sz="2600" dirty="0"/>
               <a:t>Anforderungen</a:t>
             </a:r>
-            <a:endParaRPr lang="de-DE" sz="2600" dirty="0"/>
           </a:p>
         </p:txBody>
       </p:sp>
